--- a/Mobile Analysis ppt.pptx
+++ b/Mobile Analysis ppt.pptx
@@ -5,13 +5,16 @@
     <p:sldMasterId id="2147483648" r:id="rId1"/>
   </p:sldMasterIdLst>
   <p:notesMasterIdLst>
-    <p:notesMasterId r:id="rId7"/>
+    <p:notesMasterId r:id="rId10"/>
   </p:notesMasterIdLst>
   <p:sldIdLst>
     <p:sldId id="356" r:id="rId3"/>
-    <p:sldId id="357" r:id="rId4"/>
-    <p:sldId id="359" r:id="rId5"/>
-    <p:sldId id="358" r:id="rId6"/>
+    <p:sldId id="361" r:id="rId4"/>
+    <p:sldId id="362" r:id="rId5"/>
+    <p:sldId id="363" r:id="rId6"/>
+    <p:sldId id="358" r:id="rId7"/>
+    <p:sldId id="357" r:id="rId8"/>
+    <p:sldId id="364" r:id="rId9"/>
   </p:sldIdLst>
   <p:sldSz cx="9906000" cy="6858000" type="A4"/>
   <p:notesSz cx="9240520" cy="6954520"/>
@@ -116,9 +119,12 @@
         <p14:section name="Default Section" id="{DEA185C9-1501-4057-83B0-75C7BD3AB865}">
           <p14:sldIdLst>
             <p14:sldId id="356"/>
+            <p14:sldId id="361"/>
+            <p14:sldId id="362"/>
+            <p14:sldId id="363"/>
+            <p14:sldId id="358"/>
             <p14:sldId id="357"/>
-            <p14:sldId id="359"/>
-            <p14:sldId id="358"/>
+            <p14:sldId id="364"/>
           </p14:sldIdLst>
         </p14:section>
         <p14:section name="Untitled Section" id="{785DB642-3190-4FAB-A41A-544A6357496E}">
@@ -128,7 +134,7 @@
     </p:ext>
     <p:ext uri="{EFAFB233-063F-42B5-8137-9DF3F51BA10A}">
       <p15:sldGuideLst xmlns:p15="http://schemas.microsoft.com/office/powerpoint/2012/main">
-        <p15:guide id="1" orient="horz" pos="2160" userDrawn="1">
+        <p15:guide id="1" orient="horz" pos="2188" userDrawn="1">
           <p15:clr>
             <a:srgbClr val="A4A3A4"/>
           </p15:clr>
@@ -3514,8 +3520,8 @@
         </p:nvSpPr>
         <p:spPr>
           <a:xfrm>
-            <a:off x="2621280" y="3244850"/>
-            <a:ext cx="4663440" cy="521970"/>
+            <a:off x="278130" y="2375535"/>
+            <a:ext cx="9174480" cy="1814830"/>
           </a:xfrm>
           <a:prstGeom prst="rect">
             <a:avLst/>
@@ -3527,10 +3533,30 @@
             <a:spAutoFit/>
           </a:bodyPr>
           <a:p>
-            <a:pPr algn="ctr"/>
+            <a:pPr algn="l"/>
             <a:r>
               <a:rPr lang="en-US" sz="2800" b="1"/>
-              <a:t>Mobile Analysis - 2023</a:t>
+              <a:t>Title :- Mobile Analytics Dashboard Project</a:t>
+            </a:r>
+            <a:endParaRPr lang="en-US" sz="2800" b="1"/>
+          </a:p>
+          <a:p>
+            <a:pPr algn="l"/>
+            <a:r>
+              <a:rPr lang="en-US" sz="2800" b="1"/>
+              <a:t>Subtitle :- Real Time Data Insights For Mobile Transactions</a:t>
+            </a:r>
+            <a:endParaRPr lang="en-US" sz="2800" b="1"/>
+          </a:p>
+          <a:p>
+            <a:pPr algn="l"/>
+            <a:endParaRPr lang="en-US" sz="2800" b="1"/>
+          </a:p>
+          <a:p>
+            <a:pPr algn="l"/>
+            <a:r>
+              <a:rPr lang="en-US" sz="2800" b="1"/>
+              <a:t>Presented By :- Subham Biswas</a:t>
             </a:r>
             <a:endParaRPr lang="en-US" sz="2800" b="1"/>
           </a:p>
@@ -3583,24 +3609,23 @@
         </p:nvSpPr>
         <p:spPr>
           <a:xfrm>
-            <a:off x="223520" y="861060"/>
-            <a:ext cx="9204960" cy="2306955"/>
+            <a:off x="127000" y="872490"/>
+            <a:ext cx="9549765" cy="1963420"/>
           </a:xfrm>
           <a:prstGeom prst="rect">
             <a:avLst/>
           </a:prstGeom>
-          <a:noFill/>
         </p:spPr>
         <p:txBody>
-          <a:bodyPr wrap="square" rtlCol="0">
-            <a:spAutoFit/>
+          <a:bodyPr>
+            <a:noAutofit/>
           </a:bodyPr>
           <a:p>
             <a:r>
-              <a:rPr lang="en-US" b="1"/>
-              <a:t>Project description :- </a:t>
-            </a:r>
-            <a:endParaRPr lang="en-US" b="1"/>
+              <a:rPr lang="en-US" altLang="en-US" sz="2800" b="1"/>
+              <a:t>Title: Project Overview</a:t>
+            </a:r>
+            <a:endParaRPr lang="en-US" altLang="en-US" sz="1600"/>
           </a:p>
           <a:p>
             <a:pPr marL="285750" indent="-285750">
@@ -3608,10 +3633,10 @@
               <a:buChar char="•"/>
             </a:pPr>
             <a:r>
-              <a:rPr lang="en-US"/>
-              <a:t>Developed a real-time mobile analytics dashboard to track and evaluate transaction data, leveraging SQL for efficient data management.</a:t>
-            </a:r>
-            <a:endParaRPr lang="en-US"/>
+              <a:rPr lang="en-US" altLang="en-US" sz="2000"/>
+              <a:t>Developed a real-time mobile analytics dashboard to track and evaluate transaction data.</a:t>
+            </a:r>
+            <a:endParaRPr lang="en-US" altLang="en-US" sz="2000"/>
           </a:p>
           <a:p>
             <a:pPr marL="285750" indent="-285750">
@@ -3619,10 +3644,10 @@
               <a:buChar char="•"/>
             </a:pPr>
             <a:r>
-              <a:rPr lang="en-US"/>
-              <a:t>Designed and implemented a SQL database and automated workflows for seamless data import and transformation from CSV files.</a:t>
-            </a:r>
-            <a:endParaRPr lang="en-US"/>
+              <a:rPr lang="en-US" altLang="en-US" sz="2000"/>
+              <a:t>Designed and implemented a SQL database for efficient data management.</a:t>
+            </a:r>
+            <a:endParaRPr lang="en-US" altLang="en-US" sz="2000"/>
           </a:p>
           <a:p>
             <a:pPr marL="285750" indent="-285750">
@@ -3630,10 +3655,10 @@
               <a:buChar char="•"/>
             </a:pPr>
             <a:r>
-              <a:rPr lang="en-US"/>
-              <a:t>Utilized Power BI to create detailed visualizations, offering insights into customer spending patterns and demographics.</a:t>
-            </a:r>
-            <a:endParaRPr lang="en-US"/>
+              <a:rPr lang="en-US" altLang="en-US" sz="2000"/>
+              <a:t>Automated workflows for seamless data import and transformation from CSV files.</a:t>
+            </a:r>
+            <a:endParaRPr lang="en-US" altLang="en-US" sz="2000"/>
           </a:p>
           <a:p>
             <a:pPr marL="285750" indent="-285750">
@@ -3641,10 +3666,10 @@
               <a:buChar char="•"/>
             </a:pPr>
             <a:r>
-              <a:rPr lang="en-US"/>
-              <a:t>Provided actionable insights by aiding strategic decision-making.</a:t>
-            </a:r>
-            <a:endParaRPr lang="en-US"/>
+              <a:rPr lang="en-US" altLang="en-US" sz="2000"/>
+              <a:t>Created detailed Power BI visualizations offering insights into customer behavior and spending.</a:t>
+            </a:r>
+            <a:endParaRPr lang="en-US" altLang="en-US" sz="2000"/>
           </a:p>
         </p:txBody>
       </p:sp>
@@ -3695,168 +3720,219 @@
         </p:nvSpPr>
         <p:spPr>
           <a:xfrm>
-            <a:off x="239395" y="908050"/>
-            <a:ext cx="9454515" cy="4030980"/>
+            <a:off x="215265" y="887095"/>
+            <a:ext cx="9690100" cy="5172075"/>
           </a:xfrm>
           <a:prstGeom prst="rect">
             <a:avLst/>
           </a:prstGeom>
-          <a:noFill/>
         </p:spPr>
         <p:txBody>
-          <a:bodyPr wrap="square" rtlCol="0">
-            <a:spAutoFit/>
+          <a:bodyPr>
+            <a:noAutofit/>
           </a:bodyPr>
           <a:p>
-            <a:r>
-              <a:rPr lang="en-US" sz="2000" b="1"/>
-              <a:t>AT SQL QUERY :- Find out the below query to understand the data</a:t>
-            </a:r>
-            <a:endParaRPr lang="en-US" sz="2000" b="1"/>
+            <a:pPr>
+              <a:spcAft>
+                <a:spcPct val="60000"/>
+              </a:spcAft>
+            </a:pPr>
+            <a:r>
+              <a:rPr lang="en-US" altLang="en-US" sz="2800" b="1"/>
+              <a:t>SQL Queries – Key Highlights</a:t>
+            </a:r>
+            <a:endParaRPr lang="en-US" altLang="en-US" sz="2800" b="1"/>
+          </a:p>
+          <a:p>
+            <a:pPr>
+              <a:lnSpc>
+                <a:spcPct val="40000"/>
+              </a:lnSpc>
+              <a:spcAft>
+                <a:spcPct val="60000"/>
+              </a:spcAft>
+            </a:pPr>
+            <a:r>
+              <a:rPr lang="en-US" altLang="en-US" sz="2000" b="1"/>
+              <a:t>Title:</a:t>
+            </a:r>
+            <a:r>
+              <a:rPr lang="en-US" altLang="en-US" sz="2000"/>
+              <a:t> Key SQL Queries and Results</a:t>
+            </a:r>
+            <a:endParaRPr lang="en-US" altLang="en-US" sz="2000"/>
+          </a:p>
+          <a:p>
+            <a:pPr>
+              <a:lnSpc>
+                <a:spcPct val="40000"/>
+              </a:lnSpc>
+              <a:spcAft>
+                <a:spcPct val="60000"/>
+              </a:spcAft>
+            </a:pPr>
+            <a:r>
+              <a:rPr lang="en-US" altLang="en-US" sz="2000"/>
+              <a:t>1. Price Analysis:</a:t>
+            </a:r>
+            <a:endParaRPr lang="en-US" altLang="en-US" sz="2000"/>
           </a:p>
           <a:p>
             <a:pPr marL="342900" indent="-342900">
-              <a:buAutoNum type="arabicPeriod"/>
+              <a:lnSpc>
+                <a:spcPct val="40000"/>
+              </a:lnSpc>
+              <a:spcAft>
+                <a:spcPct val="60000"/>
+              </a:spcAft>
+              <a:buFont typeface="Arial" panose="020B0604020202020204" pitchFamily="34" charset="0"/>
+              <a:buChar char="•"/>
             </a:pPr>
             <a:r>
-              <a:rPr lang="en-US" sz="2000"/>
-              <a:t>Check mobile feature and price list</a:t>
-            </a:r>
-            <a:endParaRPr lang="en-US" sz="2000"/>
+              <a:rPr lang="en-US" altLang="en-US" sz="2000"/>
+              <a:t>Top 5 most expensive and cheapest phones.</a:t>
+            </a:r>
+            <a:endParaRPr lang="en-US" altLang="en-US" sz="2000"/>
+          </a:p>
+          <a:p>
+            <a:pPr>
+              <a:lnSpc>
+                <a:spcPct val="40000"/>
+              </a:lnSpc>
+              <a:spcAft>
+                <a:spcPct val="60000"/>
+              </a:spcAft>
+            </a:pPr>
+            <a:r>
+              <a:rPr lang="en-US" altLang="en-US" sz="2000"/>
+              <a:t>2. Brand-Specific Queries:</a:t>
+            </a:r>
+            <a:endParaRPr lang="en-US" altLang="en-US" sz="2000"/>
           </a:p>
           <a:p>
             <a:pPr marL="342900" indent="-342900">
-              <a:buAutoNum type="arabicPeriod"/>
+              <a:lnSpc>
+                <a:spcPct val="40000"/>
+              </a:lnSpc>
+              <a:spcAft>
+                <a:spcPct val="60000"/>
+              </a:spcAft>
+              <a:buFont typeface="Arial" panose="020B0604020202020204" pitchFamily="34" charset="0"/>
+              <a:buChar char="•"/>
             </a:pPr>
             <a:r>
-              <a:rPr lang="en-US" sz="2000"/>
-              <a:t>Find out the price of 5 most expensive phones</a:t>
-            </a:r>
-            <a:endParaRPr lang="en-US" sz="2000"/>
+              <a:rPr lang="en-US" altLang="en-US" sz="2000"/>
+              <a:t>Top 5 Samsung phones by features and price.</a:t>
+            </a:r>
+            <a:endParaRPr lang="en-US" altLang="en-US" sz="2000"/>
+          </a:p>
+          <a:p>
+            <a:pPr>
+              <a:lnSpc>
+                <a:spcPct val="40000"/>
+              </a:lnSpc>
+              <a:spcAft>
+                <a:spcPct val="60000"/>
+              </a:spcAft>
+            </a:pPr>
+            <a:r>
+              <a:rPr lang="en-US" altLang="en-US" sz="2000"/>
+              <a:t>3. Feature-Specific Analysis:</a:t>
+            </a:r>
+            <a:endParaRPr lang="en-US" altLang="en-US" sz="2000"/>
           </a:p>
           <a:p>
             <a:pPr marL="342900" indent="-342900">
-              <a:buAutoNum type="arabicPeriod"/>
+              <a:lnSpc>
+                <a:spcPct val="40000"/>
+              </a:lnSpc>
+              <a:spcAft>
+                <a:spcPct val="60000"/>
+              </a:spcAft>
+              <a:buFont typeface="Arial" panose="020B0604020202020204" pitchFamily="34" charset="0"/>
+              <a:buChar char="•"/>
             </a:pPr>
             <a:r>
-              <a:rPr lang="en-US" sz="2000">
-                <a:sym typeface="+mn-ea"/>
-              </a:rPr>
-              <a:t>Find out the price of 5 most cheapest phones</a:t>
-            </a:r>
-            <a:endParaRPr lang="en-US" sz="2000">
-              <a:sym typeface="+mn-ea"/>
-            </a:endParaRPr>
+              <a:rPr lang="en-US" altLang="en-US" sz="2000"/>
+              <a:t>High and low-priced Android/iOS phones.</a:t>
+            </a:r>
+            <a:endParaRPr lang="en-US" altLang="en-US" sz="2000"/>
+          </a:p>
+          <a:p>
+            <a:pPr>
+              <a:lnSpc>
+                <a:spcPct val="40000"/>
+              </a:lnSpc>
+              <a:spcAft>
+                <a:spcPct val="60000"/>
+              </a:spcAft>
+            </a:pPr>
+            <a:r>
+              <a:rPr lang="en-US" altLang="en-US" sz="2000"/>
+              <a:t>4. 5G Analysis:</a:t>
+            </a:r>
+            <a:endParaRPr lang="en-US" altLang="en-US" sz="2000"/>
           </a:p>
           <a:p>
             <a:pPr marL="342900" indent="-342900">
-              <a:buAutoNum type="arabicPeriod"/>
+              <a:lnSpc>
+                <a:spcPct val="40000"/>
+              </a:lnSpc>
+              <a:spcAft>
+                <a:spcPct val="60000"/>
+              </a:spcAft>
+              <a:buFont typeface="Arial" panose="020B0604020202020204" pitchFamily="34" charset="0"/>
+              <a:buChar char="•"/>
             </a:pPr>
             <a:r>
-              <a:rPr lang="en-US" sz="2000">
-                <a:sym typeface="+mn-ea"/>
-              </a:rPr>
-              <a:t>List of top 5 Samsung phones with price and all features</a:t>
-            </a:r>
-            <a:endParaRPr lang="en-US" sz="2000">
-              <a:sym typeface="+mn-ea"/>
-            </a:endParaRPr>
+              <a:rPr lang="en-US" altLang="en-US" sz="2000"/>
+              <a:t>Top 5 phones supporting 5G.</a:t>
+            </a:r>
+            <a:endParaRPr lang="en-US" altLang="en-US" sz="2000"/>
+          </a:p>
+          <a:p>
+            <a:pPr>
+              <a:lnSpc>
+                <a:spcPct val="40000"/>
+              </a:lnSpc>
+              <a:spcAft>
+                <a:spcPct val="60000"/>
+              </a:spcAft>
+            </a:pPr>
+            <a:r>
+              <a:rPr lang="en-US" altLang="en-US" sz="2000"/>
+              <a:t>5. Total Mobile Value:</a:t>
+            </a:r>
+            <a:endParaRPr lang="en-US" altLang="en-US" sz="2000"/>
           </a:p>
           <a:p>
             <a:pPr marL="342900" indent="-342900">
-              <a:buAutoNum type="arabicPeriod"/>
+              <a:lnSpc>
+                <a:spcPct val="40000"/>
+              </a:lnSpc>
+              <a:spcAft>
+                <a:spcPct val="60000"/>
+              </a:spcAft>
+              <a:buFont typeface="Arial" panose="020B0604020202020204" pitchFamily="34" charset="0"/>
+              <a:buChar char="•"/>
             </a:pPr>
             <a:r>
-              <a:rPr lang="en-US" sz="2000">
-                <a:sym typeface="+mn-ea"/>
-              </a:rPr>
-              <a:t>Must have android phones list then top 5 high price android phone</a:t>
-            </a:r>
-            <a:endParaRPr lang="en-US" sz="2000">
-              <a:sym typeface="+mn-ea"/>
-            </a:endParaRPr>
-          </a:p>
-          <a:p>
-            <a:pPr marL="342900" indent="-342900">
-              <a:buAutoNum type="arabicPeriod"/>
+              <a:rPr lang="en-US" altLang="en-US" sz="2000"/>
+              <a:t>Summed price of all phones grouped by brand</a:t>
+            </a:r>
+            <a:r>
+              <a:rPr lang="en-US" altLang="en-US" sz="2400"/>
+              <a:t>.</a:t>
+            </a:r>
+            <a:endParaRPr lang="en-US" altLang="en-US" sz="2400"/>
+          </a:p>
+          <a:p>
+            <a:pPr>
+              <a:spcAft>
+                <a:spcPct val="60000"/>
+              </a:spcAft>
             </a:pPr>
-            <a:r>
-              <a:rPr lang="en-US" sz="2000">
-                <a:sym typeface="+mn-ea"/>
-              </a:rPr>
-              <a:t>Must have android phones list then top 5 lower price android phone</a:t>
-            </a:r>
-            <a:endParaRPr lang="en-US" sz="2000">
-              <a:sym typeface="+mn-ea"/>
-            </a:endParaRPr>
-          </a:p>
-          <a:p>
-            <a:pPr marL="342900" indent="-342900">
-              <a:buAutoNum type="arabicPeriod"/>
-            </a:pPr>
-            <a:r>
-              <a:rPr lang="en-US" sz="2000">
-                <a:sym typeface="+mn-ea"/>
-              </a:rPr>
-              <a:t>Must have IOS phone list then top 5 high price IOS phones</a:t>
-            </a:r>
-            <a:endParaRPr lang="en-US" sz="2000">
-              <a:sym typeface="+mn-ea"/>
-            </a:endParaRPr>
-          </a:p>
-          <a:p>
-            <a:pPr marL="342900" indent="-342900">
-              <a:buAutoNum type="arabicPeriod"/>
-            </a:pPr>
-            <a:r>
-              <a:rPr lang="en-US" sz="2000">
-                <a:sym typeface="+mn-ea"/>
-              </a:rPr>
-              <a:t>Must have IOS phone list then top 5 lower price IOS phones</a:t>
-            </a:r>
-            <a:endParaRPr lang="en-US" sz="2000">
-              <a:sym typeface="+mn-ea"/>
-            </a:endParaRPr>
-          </a:p>
-          <a:p>
-            <a:pPr marL="342900" indent="-342900">
-              <a:buAutoNum type="arabicPeriod"/>
-            </a:pPr>
-            <a:r>
-              <a:rPr lang="en-US" sz="2000">
-                <a:sym typeface="+mn-ea"/>
-              </a:rPr>
-              <a:t>Write a query which phone support 5G and also top 5 phone with 5G support</a:t>
-            </a:r>
-            <a:endParaRPr lang="en-US" sz="2000">
-              <a:sym typeface="+mn-ea"/>
-            </a:endParaRPr>
-          </a:p>
-          <a:p>
-            <a:pPr marL="342900" indent="-342900">
-              <a:buAutoNum type="arabicPeriod"/>
-            </a:pPr>
-            <a:r>
-              <a:rPr lang="en-US" sz="2000">
-                <a:sym typeface="+mn-ea"/>
-              </a:rPr>
-              <a:t>Total price of all mobiles is to be found with brand name</a:t>
-            </a:r>
-            <a:endParaRPr lang="en-US" sz="2000">
-              <a:sym typeface="+mn-ea"/>
-            </a:endParaRPr>
-          </a:p>
-          <a:p>
-            <a:pPr marL="342900" indent="-342900">
-              <a:buAutoNum type="arabicPeriod"/>
-            </a:pPr>
-            <a:endParaRPr lang="en-US"/>
-          </a:p>
-          <a:p>
-            <a:pPr marL="342900" indent="-342900">
-              <a:buAutoNum type="arabicPeriod"/>
-            </a:pPr>
-            <a:endParaRPr lang="en-US"/>
+            <a:endParaRPr lang="en-US" altLang="en-US" sz="2400"/>
           </a:p>
         </p:txBody>
       </p:sp>
@@ -3869,6 +3945,213 @@
 </file>
 
 <file path=ppt/slides/slide4.xml><?xml version="1.0" encoding="utf-8"?>
+<p:sld xmlns:a="http://schemas.openxmlformats.org/drawingml/2006/main" xmlns:r="http://schemas.openxmlformats.org/officeDocument/2006/relationships" xmlns:p="http://schemas.openxmlformats.org/presentationml/2006/main">
+  <p:cSld>
+    <p:spTree>
+      <p:nvGrpSpPr>
+        <p:cNvPr id="1" name=""/>
+        <p:cNvGrpSpPr/>
+        <p:nvPr/>
+      </p:nvGrpSpPr>
+      <p:grpSpPr/>
+      <p:sp>
+        <p:nvSpPr>
+          <p:cNvPr id="2" name="Slide Number Placeholder 1"/>
+          <p:cNvSpPr>
+            <a:spLocks noGrp="1"/>
+          </p:cNvSpPr>
+          <p:nvPr>
+            <p:ph type="sldNum" sz="quarter" idx="12"/>
+          </p:nvPr>
+        </p:nvSpPr>
+        <p:spPr/>
+        <p:txBody>
+          <a:bodyPr/>
+          <a:p>
+            <a:fld id="{DF9F88B6-6848-4BC8-9EDC-26ED473FCFEB}" type="slidenum">
+              <a:rPr lang="en-US" smtClean="0"/>
+            </a:fld>
+            <a:endParaRPr lang="en-US"/>
+          </a:p>
+        </p:txBody>
+      </p:sp>
+      <p:sp>
+        <p:nvSpPr>
+          <p:cNvPr id="3" name="Text Box 2"/>
+          <p:cNvSpPr txBox="1"/>
+          <p:nvPr/>
+        </p:nvSpPr>
+        <p:spPr>
+          <a:xfrm>
+            <a:off x="170815" y="842645"/>
+            <a:ext cx="9563735" cy="5446395"/>
+          </a:xfrm>
+          <a:prstGeom prst="rect">
+            <a:avLst/>
+          </a:prstGeom>
+        </p:spPr>
+        <p:txBody>
+          <a:bodyPr wrap="square">
+            <a:spAutoFit/>
+          </a:bodyPr>
+          <a:p>
+            <a:r>
+              <a:rPr sz="2800" b="1"/>
+              <a:t>Power BI Analysis – Total Mobiles</a:t>
+            </a:r>
+            <a:endParaRPr sz="2800" b="1"/>
+          </a:p>
+          <a:p>
+            <a:r>
+              <a:rPr lang="en-US" altLang="en-US" sz="2000" b="1">
+                <a:sym typeface="+mn-ea"/>
+              </a:rPr>
+              <a:t>Title:</a:t>
+            </a:r>
+            <a:r>
+              <a:rPr lang="en-US" altLang="en-US" sz="2000">
+                <a:sym typeface="+mn-ea"/>
+              </a:rPr>
+              <a:t> Key SQL Queries and Results</a:t>
+            </a:r>
+            <a:endParaRPr sz="2000" b="1"/>
+          </a:p>
+          <a:p>
+            <a:r>
+              <a:rPr lang="en-US" altLang="en-US" sz="2000"/>
+              <a:t>1. Total Mobiles Analysis</a:t>
+            </a:r>
+            <a:endParaRPr lang="en-US" altLang="en-US" sz="2000"/>
+          </a:p>
+          <a:p>
+            <a:pPr marL="342900" indent="-342900">
+              <a:buFont typeface="Arial" panose="020B0604020202020204" pitchFamily="34" charset="0"/>
+              <a:buChar char="•"/>
+            </a:pPr>
+            <a:r>
+              <a:rPr lang="en-US" altLang="en-US" sz="2000"/>
+              <a:t>Visual showing the total number of mobiles in the dataset.</a:t>
+            </a:r>
+            <a:endParaRPr lang="en-US" altLang="en-US" sz="2000"/>
+          </a:p>
+          <a:p>
+            <a:pPr marL="342900" indent="-342900">
+              <a:buFont typeface="Arial" panose="020B0604020202020204" pitchFamily="34" charset="0"/>
+              <a:buChar char="•"/>
+            </a:pPr>
+            <a:r>
+              <a:rPr lang="en-US" altLang="en-US" sz="2000"/>
+              <a:t>Breakdown by brands and operating systems.</a:t>
+            </a:r>
+            <a:endParaRPr lang="en-US" altLang="en-US" sz="2000"/>
+          </a:p>
+          <a:p>
+            <a:endParaRPr lang="en-US" altLang="en-US" sz="2000"/>
+          </a:p>
+          <a:p>
+            <a:r>
+              <a:rPr lang="en-US" altLang="en-US" sz="2000"/>
+              <a:t>2. Mobile Features Analysis</a:t>
+            </a:r>
+            <a:endParaRPr lang="en-US" altLang="en-US" sz="2000"/>
+          </a:p>
+          <a:p>
+            <a:pPr marL="342900" indent="-342900">
+              <a:buFont typeface="Arial" panose="020B0604020202020204" pitchFamily="34" charset="0"/>
+              <a:buChar char="•"/>
+            </a:pPr>
+            <a:r>
+              <a:rPr lang="en-US" altLang="en-US" sz="2000"/>
+              <a:t>Battery capacity distribution across brands.</a:t>
+            </a:r>
+            <a:endParaRPr lang="en-US" altLang="en-US" sz="2000"/>
+          </a:p>
+          <a:p>
+            <a:pPr marL="342900" indent="-342900">
+              <a:buFont typeface="Arial" panose="020B0604020202020204" pitchFamily="34" charset="0"/>
+              <a:buChar char="•"/>
+            </a:pPr>
+            <a:r>
+              <a:rPr lang="en-US" altLang="en-US" sz="2000"/>
+              <a:t>Operating system comparison (Android vs. iOS).</a:t>
+            </a:r>
+            <a:endParaRPr lang="en-US" altLang="en-US" sz="2000"/>
+          </a:p>
+          <a:p>
+            <a:endParaRPr lang="en-US" altLang="en-US" sz="2000"/>
+          </a:p>
+          <a:p>
+            <a:r>
+              <a:rPr lang="en-US" altLang="en-US" sz="2000"/>
+              <a:t>3. 5G Availability Analysis</a:t>
+            </a:r>
+            <a:endParaRPr lang="en-US" altLang="en-US" sz="2000"/>
+          </a:p>
+          <a:p>
+            <a:pPr marL="342900" indent="-342900">
+              <a:buFont typeface="Arial" panose="020B0604020202020204" pitchFamily="34" charset="0"/>
+              <a:buChar char="•"/>
+            </a:pPr>
+            <a:r>
+              <a:rPr lang="en-US" altLang="en-US" sz="2000"/>
+              <a:t>Number and percentage of phones supporting 5G.</a:t>
+            </a:r>
+            <a:endParaRPr lang="en-US" altLang="en-US" sz="2000"/>
+          </a:p>
+          <a:p>
+            <a:pPr marL="342900" indent="-342900">
+              <a:buFont typeface="Arial" panose="020B0604020202020204" pitchFamily="34" charset="0"/>
+              <a:buChar char="•"/>
+            </a:pPr>
+            <a:r>
+              <a:rPr lang="en-US" altLang="en-US" sz="2000"/>
+              <a:t>Price analysis for 5G-supported phones.</a:t>
+            </a:r>
+            <a:endParaRPr lang="en-US" altLang="en-US" sz="2000"/>
+          </a:p>
+          <a:p>
+            <a:endParaRPr lang="en-US" altLang="en-US" sz="2000"/>
+          </a:p>
+          <a:p>
+            <a:r>
+              <a:rPr lang="en-US" altLang="en-US" sz="2000"/>
+              <a:t>4. Brand Insights Analysis</a:t>
+            </a:r>
+            <a:endParaRPr lang="en-US" altLang="en-US" sz="2000"/>
+          </a:p>
+          <a:p>
+            <a:pPr marL="342900" indent="-342900">
+              <a:buFont typeface="Arial" panose="020B0604020202020204" pitchFamily="34" charset="0"/>
+              <a:buChar char="•"/>
+            </a:pPr>
+            <a:r>
+              <a:rPr lang="en-US" altLang="en-US" sz="2000"/>
+              <a:t>Brand popularity based on total mobiles listed.</a:t>
+            </a:r>
+            <a:endParaRPr lang="en-US" altLang="en-US" sz="2000"/>
+          </a:p>
+          <a:p>
+            <a:pPr marL="342900" indent="-342900">
+              <a:buFont typeface="Arial" panose="020B0604020202020204" pitchFamily="34" charset="0"/>
+              <a:buChar char="•"/>
+            </a:pPr>
+            <a:r>
+              <a:rPr lang="en-US" altLang="en-US" sz="2000"/>
+              <a:t>Internal storage and selfie camera trends by brand.</a:t>
+            </a:r>
+            <a:endParaRPr lang="en-US" altLang="en-US" sz="2000"/>
+          </a:p>
+        </p:txBody>
+      </p:sp>
+    </p:spTree>
+  </p:cSld>
+  <p:clrMapOvr>
+    <a:masterClrMapping/>
+  </p:clrMapOvr>
+</p:sld>
+</file>
+
+<file path=ppt/slides/slide5.xml><?xml version="1.0" encoding="utf-8"?>
 <p:sld xmlns:a="http://schemas.openxmlformats.org/drawingml/2006/main" xmlns:r="http://schemas.openxmlformats.org/officeDocument/2006/relationships" xmlns:p="http://schemas.openxmlformats.org/presentationml/2006/main">
   <p:cSld>
     <p:spTree>
@@ -3949,6 +4232,178 @@
               <a:t>Power BI Dashboard Creation</a:t>
             </a:r>
             <a:endParaRPr lang="en-US" sz="2000" b="1"/>
+          </a:p>
+        </p:txBody>
+      </p:sp>
+    </p:spTree>
+  </p:cSld>
+  <p:clrMapOvr>
+    <a:masterClrMapping/>
+  </p:clrMapOvr>
+</p:sld>
+</file>
+
+<file path=ppt/slides/slide6.xml><?xml version="1.0" encoding="utf-8"?>
+<p:sld xmlns:a="http://schemas.openxmlformats.org/drawingml/2006/main" xmlns:r="http://schemas.openxmlformats.org/officeDocument/2006/relationships" xmlns:p="http://schemas.openxmlformats.org/presentationml/2006/main">
+  <p:cSld>
+    <p:spTree>
+      <p:nvGrpSpPr>
+        <p:cNvPr id="1" name=""/>
+        <p:cNvGrpSpPr/>
+        <p:nvPr/>
+      </p:nvGrpSpPr>
+      <p:grpSpPr/>
+      <p:sp>
+        <p:nvSpPr>
+          <p:cNvPr id="2" name="Slide Number Placeholder 1"/>
+          <p:cNvSpPr>
+            <a:spLocks noGrp="1"/>
+          </p:cNvSpPr>
+          <p:nvPr>
+            <p:ph type="sldNum" sz="quarter" idx="12"/>
+          </p:nvPr>
+        </p:nvSpPr>
+        <p:spPr/>
+        <p:txBody>
+          <a:bodyPr/>
+          <a:p>
+            <a:fld id="{DF9F88B6-6848-4BC8-9EDC-26ED473FCFEB}" type="slidenum">
+              <a:rPr lang="en-US" smtClean="0"/>
+            </a:fld>
+            <a:endParaRPr lang="en-US"/>
+          </a:p>
+        </p:txBody>
+      </p:sp>
+      <p:sp>
+        <p:nvSpPr>
+          <p:cNvPr id="3" name="Text Box 2"/>
+          <p:cNvSpPr txBox="1"/>
+          <p:nvPr/>
+        </p:nvSpPr>
+        <p:spPr>
+          <a:xfrm>
+            <a:off x="223520" y="861060"/>
+            <a:ext cx="9204960" cy="1722120"/>
+          </a:xfrm>
+          <a:prstGeom prst="rect">
+            <a:avLst/>
+          </a:prstGeom>
+          <a:noFill/>
+        </p:spPr>
+        <p:txBody>
+          <a:bodyPr wrap="square" rtlCol="0">
+            <a:spAutoFit/>
+          </a:bodyPr>
+          <a:p>
+            <a:r>
+              <a:rPr lang="en-US" altLang="en-US" sz="2800" b="1"/>
+              <a:t>Title: Conclusion</a:t>
+            </a:r>
+            <a:endParaRPr lang="en-US" altLang="en-US" sz="2800" b="1"/>
+          </a:p>
+          <a:p>
+            <a:endParaRPr lang="en-US" altLang="en-US"/>
+          </a:p>
+          <a:p>
+            <a:pPr marL="285750" indent="-285750">
+              <a:buFont typeface="Arial" panose="020B0604020202020204" pitchFamily="34" charset="0"/>
+              <a:buChar char="•"/>
+            </a:pPr>
+            <a:r>
+              <a:rPr lang="en-US" altLang="en-US" sz="2000"/>
+              <a:t>Successfully developed a comprehensive dashboard for mobile analytics.</a:t>
+            </a:r>
+            <a:endParaRPr lang="en-US" altLang="en-US" sz="2000"/>
+          </a:p>
+          <a:p>
+            <a:pPr marL="285750" indent="-285750">
+              <a:buFont typeface="Arial" panose="020B0604020202020204" pitchFamily="34" charset="0"/>
+              <a:buChar char="•"/>
+            </a:pPr>
+            <a:r>
+              <a:rPr lang="en-US" altLang="en-US" sz="2000"/>
+              <a:t>SQL queries and Power BI dashboards provide actionable insights.</a:t>
+            </a:r>
+            <a:endParaRPr lang="en-US" altLang="en-US" sz="2000"/>
+          </a:p>
+          <a:p>
+            <a:pPr marL="285750" indent="-285750">
+              <a:buFont typeface="Arial" panose="020B0604020202020204" pitchFamily="34" charset="0"/>
+              <a:buChar char="•"/>
+            </a:pPr>
+            <a:r>
+              <a:rPr lang="en-US" altLang="en-US" sz="2000"/>
+              <a:t>The analysis supports strategic decision-making in the mobile retail sector.</a:t>
+            </a:r>
+            <a:endParaRPr lang="en-US" altLang="en-US" sz="2000"/>
+          </a:p>
+        </p:txBody>
+      </p:sp>
+    </p:spTree>
+  </p:cSld>
+  <p:clrMapOvr>
+    <a:masterClrMapping/>
+  </p:clrMapOvr>
+</p:sld>
+</file>
+
+<file path=ppt/slides/slide7.xml><?xml version="1.0" encoding="utf-8"?>
+<p:sld xmlns:a="http://schemas.openxmlformats.org/drawingml/2006/main" xmlns:r="http://schemas.openxmlformats.org/officeDocument/2006/relationships" xmlns:p="http://schemas.openxmlformats.org/presentationml/2006/main">
+  <p:cSld>
+    <p:spTree>
+      <p:nvGrpSpPr>
+        <p:cNvPr id="1" name=""/>
+        <p:cNvGrpSpPr/>
+        <p:nvPr/>
+      </p:nvGrpSpPr>
+      <p:grpSpPr/>
+      <p:sp>
+        <p:nvSpPr>
+          <p:cNvPr id="2" name="Slide Number Placeholder 1"/>
+          <p:cNvSpPr>
+            <a:spLocks noGrp="1"/>
+          </p:cNvSpPr>
+          <p:nvPr>
+            <p:ph type="sldNum" sz="quarter" idx="12"/>
+          </p:nvPr>
+        </p:nvSpPr>
+        <p:spPr/>
+        <p:txBody>
+          <a:bodyPr/>
+          <a:p>
+            <a:fld id="{DF9F88B6-6848-4BC8-9EDC-26ED473FCFEB}" type="slidenum">
+              <a:rPr lang="en-US" smtClean="0"/>
+            </a:fld>
+            <a:endParaRPr lang="en-US"/>
+          </a:p>
+        </p:txBody>
+      </p:sp>
+      <p:sp>
+        <p:nvSpPr>
+          <p:cNvPr id="3" name="Text Box 2"/>
+          <p:cNvSpPr txBox="1"/>
+          <p:nvPr/>
+        </p:nvSpPr>
+        <p:spPr>
+          <a:xfrm>
+            <a:off x="3302000" y="2988310"/>
+            <a:ext cx="3302000" cy="645160"/>
+          </a:xfrm>
+          <a:prstGeom prst="rect">
+            <a:avLst/>
+          </a:prstGeom>
+          <a:noFill/>
+        </p:spPr>
+        <p:txBody>
+          <a:bodyPr wrap="square" rtlCol="0">
+            <a:spAutoFit/>
+          </a:bodyPr>
+          <a:p>
+            <a:r>
+              <a:rPr lang="en-US" sz="3600" b="1"/>
+              <a:t>THANK YOU !</a:t>
+            </a:r>
+            <a:endParaRPr lang="en-US" sz="3600" b="1"/>
           </a:p>
         </p:txBody>
       </p:sp>
